--- a/4_Presentation/Team_12.pptx
+++ b/4_Presentation/Team_12.pptx
@@ -5,11 +5,12 @@
     <p:sldMasterId id="2147483660" r:id="rId1"/>
   </p:sldMasterIdLst>
   <p:notesMasterIdLst>
-    <p:notesMasterId r:id="rId4"/>
+    <p:notesMasterId r:id="rId5"/>
   </p:notesMasterIdLst>
   <p:sldIdLst>
     <p:sldId id="256" r:id="rId2"/>
     <p:sldId id="257" r:id="rId3"/>
+    <p:sldId id="258" r:id="rId4"/>
   </p:sldIdLst>
   <p:sldSz cx="12192000" cy="6858000"/>
   <p:notesSz cx="6858000" cy="9144000"/>
@@ -108,6 +109,11 @@
       </a:defRPr>
     </a:lvl9pPr>
   </p:defaultTextStyle>
+  <p:extLst>
+    <p:ext uri="{EFAFB233-063F-42B5-8137-9DF3F51BA10A}">
+      <p15:sldGuideLst xmlns:p15="http://schemas.microsoft.com/office/powerpoint/2012/main"/>
+    </p:ext>
+  </p:extLst>
 </p:presentation>
 </file>
 
@@ -5999,7 +6005,12 @@
             <p:ph type="subTitle" idx="1"/>
           </p:nvPr>
         </p:nvSpPr>
-        <p:spPr/>
+        <p:spPr>
+          <a:xfrm>
+            <a:off x="609567" y="2966789"/>
+            <a:ext cx="6400800" cy="1947333"/>
+          </a:xfrm>
+        </p:spPr>
         <p:txBody>
           <a:bodyPr/>
           <a:lstStyle/>
@@ -6184,6 +6195,100 @@
     <p:extLst>
       <p:ext uri="{BB962C8B-B14F-4D97-AF65-F5344CB8AC3E}">
         <p14:creationId xmlns:p14="http://schemas.microsoft.com/office/powerpoint/2010/main" val="3721167411"/>
+      </p:ext>
+    </p:extLst>
+  </p:cSld>
+  <p:clrMapOvr>
+    <a:masterClrMapping/>
+  </p:clrMapOvr>
+</p:sld>
+</file>
+
+<file path=ppt/slides/slide3.xml><?xml version="1.0" encoding="utf-8"?>
+<p:sld xmlns:a="http://schemas.openxmlformats.org/drawingml/2006/main" xmlns:r="http://schemas.openxmlformats.org/officeDocument/2006/relationships" xmlns:p="http://schemas.openxmlformats.org/presentationml/2006/main">
+  <p:cSld>
+    <p:spTree>
+      <p:nvGrpSpPr>
+        <p:cNvPr id="1" name=""/>
+        <p:cNvGrpSpPr/>
+        <p:nvPr/>
+      </p:nvGrpSpPr>
+      <p:grpSpPr>
+        <a:xfrm>
+          <a:off x="0" y="0"/>
+          <a:ext cx="0" cy="0"/>
+          <a:chOff x="0" y="0"/>
+          <a:chExt cx="0" cy="0"/>
+        </a:xfrm>
+      </p:grpSpPr>
+      <p:sp>
+        <p:nvSpPr>
+          <p:cNvPr id="2" name="Titel 1">
+            <a:extLst>
+              <a:ext uri="{FF2B5EF4-FFF2-40B4-BE49-F238E27FC236}">
+                <a16:creationId xmlns:a16="http://schemas.microsoft.com/office/drawing/2014/main" id="{A9636BE9-1FD1-4357-BE89-F2339B509FD9}"/>
+              </a:ext>
+            </a:extLst>
+          </p:cNvPr>
+          <p:cNvSpPr>
+            <a:spLocks noGrp="1"/>
+          </p:cNvSpPr>
+          <p:nvPr>
+            <p:ph type="title"/>
+          </p:nvPr>
+        </p:nvSpPr>
+        <p:spPr>
+          <a:xfrm>
+            <a:off x="684212" y="0"/>
+            <a:ext cx="8534400" cy="1507067"/>
+          </a:xfrm>
+        </p:spPr>
+        <p:txBody>
+          <a:bodyPr/>
+          <a:lstStyle/>
+          <a:p>
+            <a:r>
+              <a:rPr lang="de-DE" dirty="0"/>
+              <a:t>Feature Kreuzfahrtanlauf</a:t>
+            </a:r>
+          </a:p>
+        </p:txBody>
+      </p:sp>
+      <p:pic>
+        <p:nvPicPr>
+          <p:cNvPr id="4" name="Inhaltsplatzhalter 3">
+            <a:extLst>
+              <a:ext uri="{FF2B5EF4-FFF2-40B4-BE49-F238E27FC236}">
+                <a16:creationId xmlns:a16="http://schemas.microsoft.com/office/drawing/2014/main" id="{1EC0FD74-FF33-4940-A89A-027A0D8AAD3C}"/>
+              </a:ext>
+            </a:extLst>
+          </p:cNvPr>
+          <p:cNvPicPr>
+            <a:picLocks noGrp="1" noChangeAspect="1"/>
+          </p:cNvPicPr>
+          <p:nvPr>
+            <p:ph idx="1"/>
+          </p:nvPr>
+        </p:nvPicPr>
+        <p:blipFill rotWithShape="1">
+          <a:blip r:embed="rId2"/>
+          <a:srcRect l="605" t="1404" r="2917" b="1799"/>
+          <a:stretch/>
+        </p:blipFill>
+        <p:spPr>
+          <a:xfrm>
+            <a:off x="684212" y="1222310"/>
+            <a:ext cx="7532168" cy="4413380"/>
+          </a:xfrm>
+          <a:prstGeom prst="rect">
+            <a:avLst/>
+          </a:prstGeom>
+        </p:spPr>
+      </p:pic>
+    </p:spTree>
+    <p:extLst>
+      <p:ext uri="{BB962C8B-B14F-4D97-AF65-F5344CB8AC3E}">
+        <p14:creationId xmlns:p14="http://schemas.microsoft.com/office/powerpoint/2010/main" val="2051806266"/>
       </p:ext>
     </p:extLst>
   </p:cSld>
